--- a/Scott/doc/project architecture.pptx
+++ b/Scott/doc/project architecture.pptx
@@ -288,7 +288,7 @@
           <a:p>
             <a:fld id="{BF844585-F0BD-4080-97B2-C99028750F1C}" type="datetimeFigureOut">
               <a:rPr lang="zh-TW" altLang="en-US" smtClean="0"/>
-              <a:t>2019/5/17</a:t>
+              <a:t>2019/5/19</a:t>
             </a:fld>
             <a:endParaRPr lang="zh-TW" altLang="en-US"/>
           </a:p>
@@ -458,7 +458,7 @@
           <a:p>
             <a:fld id="{BF844585-F0BD-4080-97B2-C99028750F1C}" type="datetimeFigureOut">
               <a:rPr lang="zh-TW" altLang="en-US" smtClean="0"/>
-              <a:t>2019/5/17</a:t>
+              <a:t>2019/5/19</a:t>
             </a:fld>
             <a:endParaRPr lang="zh-TW" altLang="en-US"/>
           </a:p>
@@ -638,7 +638,7 @@
           <a:p>
             <a:fld id="{BF844585-F0BD-4080-97B2-C99028750F1C}" type="datetimeFigureOut">
               <a:rPr lang="zh-TW" altLang="en-US" smtClean="0"/>
-              <a:t>2019/5/17</a:t>
+              <a:t>2019/5/19</a:t>
             </a:fld>
             <a:endParaRPr lang="zh-TW" altLang="en-US"/>
           </a:p>
@@ -808,7 +808,7 @@
           <a:p>
             <a:fld id="{BF844585-F0BD-4080-97B2-C99028750F1C}" type="datetimeFigureOut">
               <a:rPr lang="zh-TW" altLang="en-US" smtClean="0"/>
-              <a:t>2019/5/17</a:t>
+              <a:t>2019/5/19</a:t>
             </a:fld>
             <a:endParaRPr lang="zh-TW" altLang="en-US"/>
           </a:p>
@@ -1054,7 +1054,7 @@
           <a:p>
             <a:fld id="{BF844585-F0BD-4080-97B2-C99028750F1C}" type="datetimeFigureOut">
               <a:rPr lang="zh-TW" altLang="en-US" smtClean="0"/>
-              <a:t>2019/5/17</a:t>
+              <a:t>2019/5/19</a:t>
             </a:fld>
             <a:endParaRPr lang="zh-TW" altLang="en-US"/>
           </a:p>
@@ -1342,7 +1342,7 @@
           <a:p>
             <a:fld id="{BF844585-F0BD-4080-97B2-C99028750F1C}" type="datetimeFigureOut">
               <a:rPr lang="zh-TW" altLang="en-US" smtClean="0"/>
-              <a:t>2019/5/17</a:t>
+              <a:t>2019/5/19</a:t>
             </a:fld>
             <a:endParaRPr lang="zh-TW" altLang="en-US"/>
           </a:p>
@@ -1764,7 +1764,7 @@
           <a:p>
             <a:fld id="{BF844585-F0BD-4080-97B2-C99028750F1C}" type="datetimeFigureOut">
               <a:rPr lang="zh-TW" altLang="en-US" smtClean="0"/>
-              <a:t>2019/5/17</a:t>
+              <a:t>2019/5/19</a:t>
             </a:fld>
             <a:endParaRPr lang="zh-TW" altLang="en-US"/>
           </a:p>
@@ -1882,7 +1882,7 @@
           <a:p>
             <a:fld id="{BF844585-F0BD-4080-97B2-C99028750F1C}" type="datetimeFigureOut">
               <a:rPr lang="zh-TW" altLang="en-US" smtClean="0"/>
-              <a:t>2019/5/17</a:t>
+              <a:t>2019/5/19</a:t>
             </a:fld>
             <a:endParaRPr lang="zh-TW" altLang="en-US"/>
           </a:p>
@@ -1977,7 +1977,7 @@
           <a:p>
             <a:fld id="{BF844585-F0BD-4080-97B2-C99028750F1C}" type="datetimeFigureOut">
               <a:rPr lang="zh-TW" altLang="en-US" smtClean="0"/>
-              <a:t>2019/5/17</a:t>
+              <a:t>2019/5/19</a:t>
             </a:fld>
             <a:endParaRPr lang="zh-TW" altLang="en-US"/>
           </a:p>
@@ -2254,7 +2254,7 @@
           <a:p>
             <a:fld id="{BF844585-F0BD-4080-97B2-C99028750F1C}" type="datetimeFigureOut">
               <a:rPr lang="zh-TW" altLang="en-US" smtClean="0"/>
-              <a:t>2019/5/17</a:t>
+              <a:t>2019/5/19</a:t>
             </a:fld>
             <a:endParaRPr lang="zh-TW" altLang="en-US"/>
           </a:p>
@@ -2507,7 +2507,7 @@
           <a:p>
             <a:fld id="{BF844585-F0BD-4080-97B2-C99028750F1C}" type="datetimeFigureOut">
               <a:rPr lang="zh-TW" altLang="en-US" smtClean="0"/>
-              <a:t>2019/5/17</a:t>
+              <a:t>2019/5/19</a:t>
             </a:fld>
             <a:endParaRPr lang="zh-TW" altLang="en-US"/>
           </a:p>
@@ -2720,7 +2720,7 @@
           <a:p>
             <a:fld id="{BF844585-F0BD-4080-97B2-C99028750F1C}" type="datetimeFigureOut">
               <a:rPr lang="zh-TW" altLang="en-US" smtClean="0"/>
-              <a:t>2019/5/17</a:t>
+              <a:t>2019/5/19</a:t>
             </a:fld>
             <a:endParaRPr lang="zh-TW" altLang="en-US"/>
           </a:p>
@@ -3903,7 +3903,7 @@
         </p:nvCxnSpPr>
         <p:spPr>
           <a:xfrm flipH="1">
-            <a:off x="2302653" y="2780928"/>
+            <a:off x="2123686" y="2770786"/>
             <a:ext cx="1449869" cy="844594"/>
           </a:xfrm>
           <a:prstGeom prst="straightConnector1">
@@ -3979,7 +3979,7 @@
         </p:nvSpPr>
         <p:spPr>
           <a:xfrm>
-            <a:off x="2225493" y="2850297"/>
+            <a:off x="2066855" y="2885612"/>
             <a:ext cx="1305101" cy="369332"/>
           </a:xfrm>
           <a:prstGeom prst="rect">
@@ -4021,8 +4021,8 @@
         </p:nvCxnSpPr>
         <p:spPr>
           <a:xfrm flipV="1">
-            <a:off x="3137314" y="2928392"/>
-            <a:ext cx="1362623" cy="1073750"/>
+            <a:off x="3036021" y="2850297"/>
+            <a:ext cx="1106524" cy="896006"/>
           </a:xfrm>
           <a:prstGeom prst="straightConnector1">
             <a:avLst/>
